--- a/Presentations/Package management with Azure Artifacts/Package management with Azure Artifacts.pptx
+++ b/Presentations/Package management with Azure Artifacts/Package management with Azure Artifacts.pptx
@@ -273,7 +273,7 @@
               <a:rPr lang="en-US" smtClean="0">
                 <a:latin typeface="Segoe UI" pitchFamily="34" charset="0"/>
               </a:rPr>
-              <a:t>3/4/2020 9:40 PM</a:t>
+              <a:t>3/5/2020 9:41 AM</a:t>
             </a:fld>
             <a:endParaRPr lang="en-US" dirty="0">
               <a:latin typeface="Segoe UI" pitchFamily="34" charset="0"/>
@@ -551,7 +551,7 @@
           <a:p>
             <a:fld id="{386CE63F-9E7F-4C04-9D0D-FCA25A8E9E86}" type="datetime8">
               <a:rPr lang="en-US" smtClean="0"/>
-              <a:t>3/4/2020 9:39 PM</a:t>
+              <a:t>3/5/2020 9:40 AM</a:t>
             </a:fld>
             <a:endParaRPr lang="en-US" dirty="0"/>
           </a:p>
@@ -1161,7 +1161,7 @@
                 <a:tabLst/>
                 <a:defRPr/>
               </a:pPr>
-              <a:t>3/4/2020 9:39 PM</a:t>
+              <a:t>3/5/2020 9:40 AM</a:t>
             </a:fld>
             <a:endParaRPr kumimoji="0" lang="en-US" sz="1200" b="0" i="0" u="none" strike="noStrike" kern="1200" cap="none" spc="0" normalizeH="0" baseline="0" noProof="0" dirty="0">
               <a:ln>
@@ -16683,12 +16683,12 @@
               </a:lnSpc>
             </a:pPr>
             <a:r>
-              <a:rPr lang="en-US" sz="1800" dirty="0">
+              <a:rPr lang="en-US" sz="1800">
                 <a:hlinkClick r:id="rId2"/>
               </a:rPr>
-              <a:t>https://docs.microsoft.com/azure/devops/pipelines/yaml-schema</a:t>
-            </a:r>
-            <a:endParaRPr lang="en-US" sz="1800" dirty="0"/>
+              <a:t>https://docs.microsoft.com/en-us/dotnet/core/tools/</a:t>
+            </a:r>
+            <a:endParaRPr lang="en-US" sz="1800"/>
           </a:p>
           <a:p>
             <a:pPr>
